--- a/Github_Basics_143014006.pptx
+++ b/Github_Basics_143014006.pptx
@@ -17,12 +17,11 @@
     <p:sldId id="265" r:id="rId11"/>
     <p:sldId id="266" r:id="rId12"/>
     <p:sldId id="267" r:id="rId13"/>
-    <p:sldId id="268" r:id="rId14"/>
-    <p:sldId id="271" r:id="rId15"/>
-    <p:sldId id="269" r:id="rId16"/>
-    <p:sldId id="270" r:id="rId17"/>
-    <p:sldId id="272" r:id="rId18"/>
-    <p:sldId id="273" r:id="rId19"/>
+    <p:sldId id="271" r:id="rId14"/>
+    <p:sldId id="269" r:id="rId15"/>
+    <p:sldId id="270" r:id="rId16"/>
+    <p:sldId id="272" r:id="rId17"/>
+    <p:sldId id="273" r:id="rId18"/>
   </p:sldIdLst>
   <p:sldSz cx="12192000" cy="6858000"/>
   <p:notesSz cx="6858000" cy="9144000"/>
@@ -123,7 +122,18 @@
   </p:defaultTextStyle>
   <p:extLst>
     <p:ext uri="{EFAFB233-063F-42B5-8137-9DF3F51BA10A}">
-      <p15:sldGuideLst xmlns:p15="http://schemas.microsoft.com/office/powerpoint/2012/main" xmlns=""/>
+      <p15:sldGuideLst xmlns:p15="http://schemas.microsoft.com/office/powerpoint/2012/main">
+        <p15:guide id="1" orient="horz" pos="2160">
+          <p15:clr>
+            <a:srgbClr val="A4A3A4"/>
+          </p15:clr>
+        </p15:guide>
+        <p15:guide id="2" pos="3840">
+          <p15:clr>
+            <a:srgbClr val="A4A3A4"/>
+          </p15:clr>
+        </p15:guide>
+      </p15:sldGuideLst>
     </p:ext>
   </p:extLst>
 </p:presentation>
@@ -4409,7 +4419,7 @@
           <a:p>
             <a:fld id="{921B6582-529B-4CEC-8187-FADDDFE2F5F4}" type="datetimeFigureOut">
               <a:rPr lang="en-US" smtClean="0"/>
-              <a:t>6/6/2017</a:t>
+              <a:t>24-Jul-17</a:t>
             </a:fld>
             <a:endParaRPr lang="en-US"/>
           </a:p>
@@ -4676,7 +4686,7 @@
           <a:p>
             <a:fld id="{921B6582-529B-4CEC-8187-FADDDFE2F5F4}" type="datetimeFigureOut">
               <a:rPr lang="en-US" smtClean="0"/>
-              <a:t>6/6/2017</a:t>
+              <a:t>24-Jul-17</a:t>
             </a:fld>
             <a:endParaRPr lang="en-US"/>
           </a:p>
@@ -4872,7 +4882,7 @@
           <a:p>
             <a:fld id="{921B6582-529B-4CEC-8187-FADDDFE2F5F4}" type="datetimeFigureOut">
               <a:rPr lang="en-US" smtClean="0"/>
-              <a:t>6/6/2017</a:t>
+              <a:t>24-Jul-17</a:t>
             </a:fld>
             <a:endParaRPr lang="en-US"/>
           </a:p>
@@ -5135,7 +5145,7 @@
           <a:p>
             <a:fld id="{921B6582-529B-4CEC-8187-FADDDFE2F5F4}" type="datetimeFigureOut">
               <a:rPr lang="en-US" smtClean="0"/>
-              <a:t>6/6/2017</a:t>
+              <a:t>24-Jul-17</a:t>
             </a:fld>
             <a:endParaRPr lang="en-US"/>
           </a:p>
@@ -5569,7 +5579,7 @@
           <a:p>
             <a:fld id="{921B6582-529B-4CEC-8187-FADDDFE2F5F4}" type="datetimeFigureOut">
               <a:rPr lang="en-US" smtClean="0"/>
-              <a:t>6/6/2017</a:t>
+              <a:t>24-Jul-17</a:t>
             </a:fld>
             <a:endParaRPr lang="en-US"/>
           </a:p>
@@ -6115,7 +6125,7 @@
           <a:p>
             <a:fld id="{921B6582-529B-4CEC-8187-FADDDFE2F5F4}" type="datetimeFigureOut">
               <a:rPr lang="en-US" smtClean="0"/>
-              <a:t>6/6/2017</a:t>
+              <a:t>24-Jul-17</a:t>
             </a:fld>
             <a:endParaRPr lang="en-US"/>
           </a:p>
@@ -6835,7 +6845,7 @@
           <a:p>
             <a:fld id="{921B6582-529B-4CEC-8187-FADDDFE2F5F4}" type="datetimeFigureOut">
               <a:rPr lang="en-US" smtClean="0"/>
-              <a:t>6/6/2017</a:t>
+              <a:t>24-Jul-17</a:t>
             </a:fld>
             <a:endParaRPr lang="en-US"/>
           </a:p>
@@ -7005,7 +7015,7 @@
           <a:p>
             <a:fld id="{921B6582-529B-4CEC-8187-FADDDFE2F5F4}" type="datetimeFigureOut">
               <a:rPr lang="en-US" smtClean="0"/>
-              <a:t>6/6/2017</a:t>
+              <a:t>24-Jul-17</a:t>
             </a:fld>
             <a:endParaRPr lang="en-US"/>
           </a:p>
@@ -7185,7 +7195,7 @@
           <a:p>
             <a:fld id="{921B6582-529B-4CEC-8187-FADDDFE2F5F4}" type="datetimeFigureOut">
               <a:rPr lang="en-US" smtClean="0"/>
-              <a:t>6/6/2017</a:t>
+              <a:t>24-Jul-17</a:t>
             </a:fld>
             <a:endParaRPr lang="en-US"/>
           </a:p>
@@ -7355,7 +7365,7 @@
           <a:p>
             <a:fld id="{921B6582-529B-4CEC-8187-FADDDFE2F5F4}" type="datetimeFigureOut">
               <a:rPr lang="en-US" smtClean="0"/>
-              <a:t>6/6/2017</a:t>
+              <a:t>24-Jul-17</a:t>
             </a:fld>
             <a:endParaRPr lang="en-US"/>
           </a:p>
@@ -7605,7 +7615,7 @@
           <a:p>
             <a:fld id="{921B6582-529B-4CEC-8187-FADDDFE2F5F4}" type="datetimeFigureOut">
               <a:rPr lang="en-US" smtClean="0"/>
-              <a:t>6/6/2017</a:t>
+              <a:t>24-Jul-17</a:t>
             </a:fld>
             <a:endParaRPr lang="en-US"/>
           </a:p>
@@ -7837,7 +7847,7 @@
           <a:p>
             <a:fld id="{921B6582-529B-4CEC-8187-FADDDFE2F5F4}" type="datetimeFigureOut">
               <a:rPr lang="en-US" smtClean="0"/>
-              <a:t>6/6/2017</a:t>
+              <a:t>24-Jul-17</a:t>
             </a:fld>
             <a:endParaRPr lang="en-US"/>
           </a:p>
@@ -8218,7 +8228,7 @@
           <a:p>
             <a:fld id="{921B6582-529B-4CEC-8187-FADDDFE2F5F4}" type="datetimeFigureOut">
               <a:rPr lang="en-US" smtClean="0"/>
-              <a:t>6/6/2017</a:t>
+              <a:t>24-Jul-17</a:t>
             </a:fld>
             <a:endParaRPr lang="en-US"/>
           </a:p>
@@ -8336,7 +8346,7 @@
           <a:p>
             <a:fld id="{921B6582-529B-4CEC-8187-FADDDFE2F5F4}" type="datetimeFigureOut">
               <a:rPr lang="en-US" smtClean="0"/>
-              <a:t>6/6/2017</a:t>
+              <a:t>24-Jul-17</a:t>
             </a:fld>
             <a:endParaRPr lang="en-US"/>
           </a:p>
@@ -8431,7 +8441,7 @@
           <a:p>
             <a:fld id="{921B6582-529B-4CEC-8187-FADDDFE2F5F4}" type="datetimeFigureOut">
               <a:rPr lang="en-US" smtClean="0"/>
-              <a:t>6/6/2017</a:t>
+              <a:t>24-Jul-17</a:t>
             </a:fld>
             <a:endParaRPr lang="en-US"/>
           </a:p>
@@ -8680,7 +8690,7 @@
           <a:p>
             <a:fld id="{921B6582-529B-4CEC-8187-FADDDFE2F5F4}" type="datetimeFigureOut">
               <a:rPr lang="en-US" smtClean="0"/>
-              <a:t>6/6/2017</a:t>
+              <a:t>24-Jul-17</a:t>
             </a:fld>
             <a:endParaRPr lang="en-US"/>
           </a:p>
@@ -8960,7 +8970,7 @@
           <a:p>
             <a:fld id="{921B6582-529B-4CEC-8187-FADDDFE2F5F4}" type="datetimeFigureOut">
               <a:rPr lang="en-US" smtClean="0"/>
-              <a:t>6/6/2017</a:t>
+              <a:t>24-Jul-17</a:t>
             </a:fld>
             <a:endParaRPr lang="en-US"/>
           </a:p>
@@ -12037,7 +12047,7 @@
           <a:p>
             <a:fld id="{921B6582-529B-4CEC-8187-FADDDFE2F5F4}" type="datetimeFigureOut">
               <a:rPr lang="en-US" smtClean="0"/>
-              <a:t>6/6/2017</a:t>
+              <a:t>24-Jul-17</a:t>
             </a:fld>
             <a:endParaRPr lang="en-US"/>
           </a:p>
@@ -12462,7 +12472,7 @@
           <p:cNvPr id="2" name="Title 1">
             <a:extLst>
               <a:ext uri="{FF2B5EF4-FFF2-40B4-BE49-F238E27FC236}">
-                <a16:creationId xmlns:a16="http://schemas.microsoft.com/office/drawing/2014/main" xmlns="" id="{68DD7B29-A512-426B-B31D-28635764F81C}"/>
+                <a16:creationId xmlns:a16="http://schemas.microsoft.com/office/drawing/2014/main" id="{68DD7B29-A512-426B-B31D-28635764F81C}"/>
               </a:ext>
             </a:extLst>
           </p:cNvPr>
@@ -12503,7 +12513,7 @@
           <p:cNvPr id="3" name="Subtitle 2">
             <a:extLst>
               <a:ext uri="{FF2B5EF4-FFF2-40B4-BE49-F238E27FC236}">
-                <a16:creationId xmlns:a16="http://schemas.microsoft.com/office/drawing/2014/main" xmlns="" id="{009E0430-0699-4FF3-B8C0-DE0D14AFEB29}"/>
+                <a16:creationId xmlns:a16="http://schemas.microsoft.com/office/drawing/2014/main" id="{009E0430-0699-4FF3-B8C0-DE0D14AFEB29}"/>
               </a:ext>
             </a:extLst>
           </p:cNvPr>
@@ -12563,7 +12573,7 @@
           <p:cNvPr id="1026" name="Picture 2" descr="Image result for git logo">
             <a:extLst>
               <a:ext uri="{FF2B5EF4-FFF2-40B4-BE49-F238E27FC236}">
-                <a16:creationId xmlns:a16="http://schemas.microsoft.com/office/drawing/2014/main" xmlns="" id="{FA1A5C48-CEF2-4BCB-B1F4-3FCEDA2DB29D}"/>
+                <a16:creationId xmlns:a16="http://schemas.microsoft.com/office/drawing/2014/main" id="{FA1A5C48-CEF2-4BCB-B1F4-3FCEDA2DB29D}"/>
               </a:ext>
             </a:extLst>
           </p:cNvPr>
@@ -12640,7 +12650,7 @@
           <p:cNvPr id="2" name="Title 1">
             <a:extLst>
               <a:ext uri="{FF2B5EF4-FFF2-40B4-BE49-F238E27FC236}">
-                <a16:creationId xmlns:a16="http://schemas.microsoft.com/office/drawing/2014/main" xmlns="" id="{8A367CF8-7381-4014-A3CB-82BB46873949}"/>
+                <a16:creationId xmlns:a16="http://schemas.microsoft.com/office/drawing/2014/main" id="{8A367CF8-7381-4014-A3CB-82BB46873949}"/>
               </a:ext>
             </a:extLst>
           </p:cNvPr>
@@ -12665,7 +12675,7 @@
           <p:cNvPr id="5" name="Content Placeholder 4">
             <a:extLst>
               <a:ext uri="{FF2B5EF4-FFF2-40B4-BE49-F238E27FC236}">
-                <a16:creationId xmlns:a16="http://schemas.microsoft.com/office/drawing/2014/main" xmlns="" id="{57713653-254A-45CE-B5A7-DD63BD7AB762}"/>
+                <a16:creationId xmlns:a16="http://schemas.microsoft.com/office/drawing/2014/main" id="{57713653-254A-45CE-B5A7-DD63BD7AB762}"/>
               </a:ext>
             </a:extLst>
           </p:cNvPr>
@@ -12730,7 +12740,7 @@
           <p:cNvPr id="2" name="Title 1">
             <a:extLst>
               <a:ext uri="{FF2B5EF4-FFF2-40B4-BE49-F238E27FC236}">
-                <a16:creationId xmlns:a16="http://schemas.microsoft.com/office/drawing/2014/main" xmlns="" id="{A422814E-3D28-44CF-A195-5CB6FACC6AD9}"/>
+                <a16:creationId xmlns:a16="http://schemas.microsoft.com/office/drawing/2014/main" id="{A422814E-3D28-44CF-A195-5CB6FACC6AD9}"/>
               </a:ext>
             </a:extLst>
           </p:cNvPr>
@@ -12772,7 +12782,7 @@
           <p:cNvPr id="4" name="Content Placeholder 3">
             <a:extLst>
               <a:ext uri="{FF2B5EF4-FFF2-40B4-BE49-F238E27FC236}">
-                <a16:creationId xmlns:a16="http://schemas.microsoft.com/office/drawing/2014/main" xmlns="" id="{F9FFA0E9-6594-4160-92DF-0C944FFD5D53}"/>
+                <a16:creationId xmlns:a16="http://schemas.microsoft.com/office/drawing/2014/main" id="{F9FFA0E9-6594-4160-92DF-0C944FFD5D53}"/>
               </a:ext>
             </a:extLst>
           </p:cNvPr>
@@ -12817,7 +12827,7 @@
           <p:cNvPr id="8" name="Picture 7">
             <a:extLst>
               <a:ext uri="{FF2B5EF4-FFF2-40B4-BE49-F238E27FC236}">
-                <a16:creationId xmlns:a16="http://schemas.microsoft.com/office/drawing/2014/main" xmlns="" id="{DBB2F78C-C939-42AC-8296-88E18458BF01}"/>
+                <a16:creationId xmlns:a16="http://schemas.microsoft.com/office/drawing/2014/main" id="{DBB2F78C-C939-42AC-8296-88E18458BF01}"/>
               </a:ext>
             </a:extLst>
           </p:cNvPr>
@@ -12883,7 +12893,7 @@
           <p:cNvPr id="3" name="Content Placeholder 2">
             <a:extLst>
               <a:ext uri="{FF2B5EF4-FFF2-40B4-BE49-F238E27FC236}">
-                <a16:creationId xmlns:a16="http://schemas.microsoft.com/office/drawing/2014/main" xmlns="" id="{25F2D23C-8E50-4EB2-BA5E-94B15210793D}"/>
+                <a16:creationId xmlns:a16="http://schemas.microsoft.com/office/drawing/2014/main" id="{25F2D23C-8E50-4EB2-BA5E-94B15210793D}"/>
               </a:ext>
             </a:extLst>
           </p:cNvPr>
@@ -12928,7 +12938,7 @@
           <p:cNvPr id="7" name="Picture 6">
             <a:extLst>
               <a:ext uri="{FF2B5EF4-FFF2-40B4-BE49-F238E27FC236}">
-                <a16:creationId xmlns:a16="http://schemas.microsoft.com/office/drawing/2014/main" xmlns="" id="{0752295B-DC1F-4BD2-AC80-FD23ECA60383}"/>
+                <a16:creationId xmlns:a16="http://schemas.microsoft.com/office/drawing/2014/main" id="{0752295B-DC1F-4BD2-AC80-FD23ECA60383}"/>
               </a:ext>
             </a:extLst>
           </p:cNvPr>
@@ -12994,114 +13004,7 @@
           <p:cNvPr id="3" name="Content Placeholder 2">
             <a:extLst>
               <a:ext uri="{FF2B5EF4-FFF2-40B4-BE49-F238E27FC236}">
-                <a16:creationId xmlns:a16="http://schemas.microsoft.com/office/drawing/2014/main" xmlns="" id="{990CEF90-72C6-4E0C-9BB8-79243B8B6C9E}"/>
-              </a:ext>
-            </a:extLst>
-          </p:cNvPr>
-          <p:cNvSpPr>
-            <a:spLocks noGrp="1"/>
-          </p:cNvSpPr>
-          <p:nvPr>
-            <p:ph idx="1"/>
-          </p:nvPr>
-        </p:nvSpPr>
-        <p:spPr>
-          <a:xfrm>
-            <a:off x="1535308" y="350349"/>
-            <a:ext cx="9905999" cy="3541714"/>
-          </a:xfrm>
-        </p:spPr>
-        <p:txBody>
-          <a:bodyPr>
-            <a:normAutofit/>
-          </a:bodyPr>
-          <a:lstStyle/>
-          <a:p>
-            <a:r>
-              <a:rPr lang="en-US" sz="3200" b="1" dirty="0">
-                <a:solidFill>
-                  <a:schemeClr val="bg1"/>
-                </a:solidFill>
-                <a:latin typeface="Arial" panose="020B0604020202020204" pitchFamily="34" charset="0"/>
-                <a:cs typeface="Arial" panose="020B0604020202020204" pitchFamily="34" charset="0"/>
-              </a:rPr>
-              <a:t>Creating a Branch</a:t>
-            </a:r>
-          </a:p>
-        </p:txBody>
-      </p:sp>
-      <p:pic>
-        <p:nvPicPr>
-          <p:cNvPr id="4" name="Picture 3">
-            <a:extLst>
-              <a:ext uri="{FF2B5EF4-FFF2-40B4-BE49-F238E27FC236}">
-                <a16:creationId xmlns:a16="http://schemas.microsoft.com/office/drawing/2014/main" xmlns="" id="{694A2DD0-9F8B-45F4-ADC3-3C167C8E21B5}"/>
-              </a:ext>
-            </a:extLst>
-          </p:cNvPr>
-          <p:cNvPicPr>
-            <a:picLocks noChangeAspect="1"/>
-          </p:cNvPicPr>
-          <p:nvPr/>
-        </p:nvPicPr>
-        <p:blipFill>
-          <a:blip r:embed="rId2">
-            <a:extLst>
-              <a:ext uri="{28A0092B-C50C-407E-A947-70E740481C1C}">
-                <a14:useLocalDpi xmlns:a14="http://schemas.microsoft.com/office/drawing/2010/main" val="0"/>
-              </a:ext>
-            </a:extLst>
-          </a:blip>
-          <a:stretch>
-            <a:fillRect/>
-          </a:stretch>
-        </p:blipFill>
-        <p:spPr>
-          <a:xfrm>
-            <a:off x="1725235" y="1179194"/>
-            <a:ext cx="8037744" cy="4747683"/>
-          </a:xfrm>
-          <a:prstGeom prst="rect">
-            <a:avLst/>
-          </a:prstGeom>
-        </p:spPr>
-      </p:pic>
-    </p:spTree>
-    <p:extLst>
-      <p:ext uri="{BB962C8B-B14F-4D97-AF65-F5344CB8AC3E}">
-        <p14:creationId xmlns:p14="http://schemas.microsoft.com/office/powerpoint/2010/main" val="713281671"/>
-      </p:ext>
-    </p:extLst>
-  </p:cSld>
-  <p:clrMapOvr>
-    <a:masterClrMapping/>
-  </p:clrMapOvr>
-</p:sld>
-</file>
-
-<file path=ppt/slides/slide14.xml><?xml version="1.0" encoding="utf-8"?>
-<p:sld xmlns:a="http://schemas.openxmlformats.org/drawingml/2006/main" xmlns:r="http://schemas.openxmlformats.org/officeDocument/2006/relationships" xmlns:p="http://schemas.openxmlformats.org/presentationml/2006/main">
-  <p:cSld>
-    <p:spTree>
-      <p:nvGrpSpPr>
-        <p:cNvPr id="1" name=""/>
-        <p:cNvGrpSpPr/>
-        <p:nvPr/>
-      </p:nvGrpSpPr>
-      <p:grpSpPr>
-        <a:xfrm>
-          <a:off x="0" y="0"/>
-          <a:ext cx="0" cy="0"/>
-          <a:chOff x="0" y="0"/>
-          <a:chExt cx="0" cy="0"/>
-        </a:xfrm>
-      </p:grpSpPr>
-      <p:sp>
-        <p:nvSpPr>
-          <p:cNvPr id="3" name="Content Placeholder 2">
-            <a:extLst>
-              <a:ext uri="{FF2B5EF4-FFF2-40B4-BE49-F238E27FC236}">
-                <a16:creationId xmlns:a16="http://schemas.microsoft.com/office/drawing/2014/main" xmlns="" id="{27D8F875-993B-4529-B5C3-241FECB925E6}"/>
+                <a16:creationId xmlns:a16="http://schemas.microsoft.com/office/drawing/2014/main" id="{27D8F875-993B-4529-B5C3-241FECB925E6}"/>
               </a:ext>
             </a:extLst>
           </p:cNvPr>
@@ -13151,7 +13054,7 @@
           <p:cNvPr id="4" name="Picture 3">
             <a:extLst>
               <a:ext uri="{FF2B5EF4-FFF2-40B4-BE49-F238E27FC236}">
-                <a16:creationId xmlns:a16="http://schemas.microsoft.com/office/drawing/2014/main" xmlns="" id="{EA64CCF5-A4D3-41EA-B4C9-70D87607DE3F}"/>
+                <a16:creationId xmlns:a16="http://schemas.microsoft.com/office/drawing/2014/main" id="{EA64CCF5-A4D3-41EA-B4C9-70D87607DE3F}"/>
               </a:ext>
             </a:extLst>
           </p:cNvPr>
@@ -13195,7 +13098,7 @@
 </p:sld>
 </file>
 
-<file path=ppt/slides/slide15.xml><?xml version="1.0" encoding="utf-8"?>
+<file path=ppt/slides/slide14.xml><?xml version="1.0" encoding="utf-8"?>
 <p:sld xmlns:a="http://schemas.openxmlformats.org/drawingml/2006/main" xmlns:r="http://schemas.openxmlformats.org/officeDocument/2006/relationships" xmlns:p="http://schemas.openxmlformats.org/presentationml/2006/main">
   <p:cSld>
     <p:spTree>
@@ -13217,7 +13120,7 @@
           <p:cNvPr id="8" name="Content Placeholder 7">
             <a:extLst>
               <a:ext uri="{FF2B5EF4-FFF2-40B4-BE49-F238E27FC236}">
-                <a16:creationId xmlns:a16="http://schemas.microsoft.com/office/drawing/2014/main" xmlns="" id="{D8F0036E-BC15-45B6-BAD8-0B32B0BFE393}"/>
+                <a16:creationId xmlns:a16="http://schemas.microsoft.com/office/drawing/2014/main" id="{D8F0036E-BC15-45B6-BAD8-0B32B0BFE393}"/>
               </a:ext>
             </a:extLst>
           </p:cNvPr>
@@ -13264,7 +13167,7 @@
           <p:cNvPr id="2052" name="Picture 4" descr="Image result for Forking a repository">
             <a:extLst>
               <a:ext uri="{FF2B5EF4-FFF2-40B4-BE49-F238E27FC236}">
-                <a16:creationId xmlns:a16="http://schemas.microsoft.com/office/drawing/2014/main" xmlns="" id="{FA8F96B4-B548-4D0E-ADE6-B6ADF98F4E32}"/>
+                <a16:creationId xmlns:a16="http://schemas.microsoft.com/office/drawing/2014/main" id="{FA8F96B4-B548-4D0E-ADE6-B6ADF98F4E32}"/>
               </a:ext>
             </a:extLst>
           </p:cNvPr>
@@ -13319,7 +13222,7 @@
 </p:sld>
 </file>
 
-<file path=ppt/slides/slide16.xml><?xml version="1.0" encoding="utf-8"?>
+<file path=ppt/slides/slide15.xml><?xml version="1.0" encoding="utf-8"?>
 <p:sld xmlns:a="http://schemas.openxmlformats.org/drawingml/2006/main" xmlns:r="http://schemas.openxmlformats.org/officeDocument/2006/relationships" xmlns:p="http://schemas.openxmlformats.org/presentationml/2006/main">
   <p:cSld>
     <p:spTree>
@@ -13341,7 +13244,7 @@
           <p:cNvPr id="3" name="Content Placeholder 2">
             <a:extLst>
               <a:ext uri="{FF2B5EF4-FFF2-40B4-BE49-F238E27FC236}">
-                <a16:creationId xmlns:a16="http://schemas.microsoft.com/office/drawing/2014/main" xmlns="" id="{4E796127-E7BF-42EF-A308-844E506DD295}"/>
+                <a16:creationId xmlns:a16="http://schemas.microsoft.com/office/drawing/2014/main" id="{4E796127-E7BF-42EF-A308-844E506DD295}"/>
               </a:ext>
             </a:extLst>
           </p:cNvPr>
@@ -13388,15 +13291,15 @@
       </p:sp>
       <p:pic>
         <p:nvPicPr>
-          <p:cNvPr id="1026" name="Picture 2" descr="Image result for git pull requests command line">
+          <p:cNvPr id="4" name="Picture 3">
             <a:extLst>
               <a:ext uri="{FF2B5EF4-FFF2-40B4-BE49-F238E27FC236}">
-                <a16:creationId xmlns:a16="http://schemas.microsoft.com/office/drawing/2014/main" xmlns="" id="{47F6E719-7879-4B89-8E0B-A9B57BBEA938}"/>
+                <a16:creationId xmlns:a16="http://schemas.microsoft.com/office/drawing/2014/main" id="{35946113-FFBE-487D-9720-681A81C1A53C}"/>
               </a:ext>
             </a:extLst>
           </p:cNvPr>
           <p:cNvPicPr>
-            <a:picLocks noChangeAspect="1" noChangeArrowheads="1"/>
+            <a:picLocks noChangeAspect="1"/>
           </p:cNvPicPr>
           <p:nvPr/>
         </p:nvPicPr>
@@ -13408,29 +13311,18 @@
               </a:ext>
             </a:extLst>
           </a:blip>
-          <a:srcRect/>
           <a:stretch>
             <a:fillRect/>
           </a:stretch>
         </p:blipFill>
-        <p:spPr bwMode="auto">
+        <p:spPr>
           <a:xfrm>
-            <a:off x="3714750" y="1233488"/>
-            <a:ext cx="4762500" cy="4391025"/>
+            <a:off x="1453442" y="1149008"/>
+            <a:ext cx="8665191" cy="4998573"/>
           </a:xfrm>
           <a:prstGeom prst="rect">
             <a:avLst/>
           </a:prstGeom>
-          <a:noFill/>
-          <a:extLst>
-            <a:ext uri="{909E8E84-426E-40DD-AFC4-6F175D3DCCD1}">
-              <a14:hiddenFill xmlns:a14="http://schemas.microsoft.com/office/drawing/2010/main">
-                <a:solidFill>
-                  <a:srgbClr val="FFFFFF"/>
-                </a:solidFill>
-              </a14:hiddenFill>
-            </a:ext>
-          </a:extLst>
         </p:spPr>
       </p:pic>
     </p:spTree>
@@ -13446,7 +13338,7 @@
 </p:sld>
 </file>
 
-<file path=ppt/slides/slide17.xml><?xml version="1.0" encoding="utf-8"?>
+<file path=ppt/slides/slide16.xml><?xml version="1.0" encoding="utf-8"?>
 <p:sld xmlns:a="http://schemas.openxmlformats.org/drawingml/2006/main" xmlns:r="http://schemas.openxmlformats.org/officeDocument/2006/relationships" xmlns:p="http://schemas.openxmlformats.org/presentationml/2006/main">
   <p:cSld>
     <p:spTree>
@@ -13468,7 +13360,7 @@
           <p:cNvPr id="2" name="Title 1">
             <a:extLst>
               <a:ext uri="{FF2B5EF4-FFF2-40B4-BE49-F238E27FC236}">
-                <a16:creationId xmlns:a16="http://schemas.microsoft.com/office/drawing/2014/main" xmlns="" id="{C4E2A02B-2D0A-4AA8-A59A-52EE2F130058}"/>
+                <a16:creationId xmlns:a16="http://schemas.microsoft.com/office/drawing/2014/main" id="{C4E2A02B-2D0A-4AA8-A59A-52EE2F130058}"/>
               </a:ext>
             </a:extLst>
           </p:cNvPr>
@@ -13497,7 +13389,7 @@
           <p:cNvPr id="2050" name="Picture 2" descr="Image result for Pull requests">
             <a:extLst>
               <a:ext uri="{FF2B5EF4-FFF2-40B4-BE49-F238E27FC236}">
-                <a16:creationId xmlns:a16="http://schemas.microsoft.com/office/drawing/2014/main" xmlns="" id="{07AC5023-8763-45C7-8AD1-69DFF3E32689}"/>
+                <a16:creationId xmlns:a16="http://schemas.microsoft.com/office/drawing/2014/main" id="{07AC5023-8763-45C7-8AD1-69DFF3E32689}"/>
               </a:ext>
             </a:extLst>
           </p:cNvPr>
@@ -13554,7 +13446,7 @@
 </p:sld>
 </file>
 
-<file path=ppt/slides/slide18.xml><?xml version="1.0" encoding="utf-8"?>
+<file path=ppt/slides/slide17.xml><?xml version="1.0" encoding="utf-8"?>
 <p:sld xmlns:a="http://schemas.openxmlformats.org/drawingml/2006/main" xmlns:r="http://schemas.openxmlformats.org/officeDocument/2006/relationships" xmlns:p="http://schemas.openxmlformats.org/presentationml/2006/main">
   <p:cSld>
     <p:spTree>
@@ -13576,7 +13468,7 @@
           <p:cNvPr id="2" name="Title 1">
             <a:extLst>
               <a:ext uri="{FF2B5EF4-FFF2-40B4-BE49-F238E27FC236}">
-                <a16:creationId xmlns:a16="http://schemas.microsoft.com/office/drawing/2014/main" xmlns="" id="{E25C55F6-1F40-4597-A9BE-B536D5EAE8DE}"/>
+                <a16:creationId xmlns:a16="http://schemas.microsoft.com/office/drawing/2014/main" id="{E25C55F6-1F40-4597-A9BE-B536D5EAE8DE}"/>
               </a:ext>
             </a:extLst>
           </p:cNvPr>
@@ -13601,7 +13493,7 @@
           <p:cNvPr id="5" name="Content Placeholder 4">
             <a:extLst>
               <a:ext uri="{FF2B5EF4-FFF2-40B4-BE49-F238E27FC236}">
-                <a16:creationId xmlns:a16="http://schemas.microsoft.com/office/drawing/2014/main" xmlns="" id="{2C103A3A-C3FF-4DB6-B92D-E4E1231F0D5E}"/>
+                <a16:creationId xmlns:a16="http://schemas.microsoft.com/office/drawing/2014/main" id="{2C103A3A-C3FF-4DB6-B92D-E4E1231F0D5E}"/>
               </a:ext>
             </a:extLst>
           </p:cNvPr>
@@ -13666,7 +13558,7 @@
           <p:cNvPr id="2" name="Title 1">
             <a:extLst>
               <a:ext uri="{FF2B5EF4-FFF2-40B4-BE49-F238E27FC236}">
-                <a16:creationId xmlns:a16="http://schemas.microsoft.com/office/drawing/2014/main" xmlns="" id="{90B659BA-B395-4377-BB6C-DF700C3BD886}"/>
+                <a16:creationId xmlns:a16="http://schemas.microsoft.com/office/drawing/2014/main" id="{90B659BA-B395-4377-BB6C-DF700C3BD886}"/>
               </a:ext>
             </a:extLst>
           </p:cNvPr>
@@ -13696,10 +13588,6 @@
                 <a:sym typeface="Wingdings" pitchFamily="2" charset="2"/>
               </a:rPr>
               <a:t></a:t>
-            </a:r>
-            <a:r>
-              <a:rPr lang="en-US" dirty="0"/>
-              <a:t/>
             </a:r>
             <a:br>
               <a:rPr lang="en-US" dirty="0"/>
@@ -13743,7 +13631,7 @@
           <p:cNvPr id="4" name="Title 1">
             <a:extLst>
               <a:ext uri="{FF2B5EF4-FFF2-40B4-BE49-F238E27FC236}">
-                <a16:creationId xmlns:a16="http://schemas.microsoft.com/office/drawing/2014/main" xmlns="" id="{87D81281-BF93-445F-AFFE-B326383B8BE9}"/>
+                <a16:creationId xmlns:a16="http://schemas.microsoft.com/office/drawing/2014/main" id="{87D81281-BF93-445F-AFFE-B326383B8BE9}"/>
               </a:ext>
             </a:extLst>
           </p:cNvPr>
@@ -13797,7 +13685,7 @@
           <p:cNvPr id="5" name="Content Placeholder 2">
             <a:extLst>
               <a:ext uri="{FF2B5EF4-FFF2-40B4-BE49-F238E27FC236}">
-                <a16:creationId xmlns:a16="http://schemas.microsoft.com/office/drawing/2014/main" xmlns="" id="{BD74B451-A430-4FD6-9C72-4EAA3E377454}"/>
+                <a16:creationId xmlns:a16="http://schemas.microsoft.com/office/drawing/2014/main" id="{BD74B451-A430-4FD6-9C72-4EAA3E377454}"/>
               </a:ext>
             </a:extLst>
           </p:cNvPr>
@@ -14081,7 +13969,7 @@
           <p:cNvPr id="6" name="Picture 2">
             <a:extLst>
               <a:ext uri="{FF2B5EF4-FFF2-40B4-BE49-F238E27FC236}">
-                <a16:creationId xmlns:a16="http://schemas.microsoft.com/office/drawing/2014/main" xmlns="" id="{91287AB8-13D3-4DF1-AC11-A5D29619C7CB}"/>
+                <a16:creationId xmlns:a16="http://schemas.microsoft.com/office/drawing/2014/main" id="{91287AB8-13D3-4DF1-AC11-A5D29619C7CB}"/>
               </a:ext>
             </a:extLst>
           </p:cNvPr>
@@ -14141,7 +14029,7 @@
           <p:cNvPr id="7" name="Picture 3">
             <a:extLst>
               <a:ext uri="{FF2B5EF4-FFF2-40B4-BE49-F238E27FC236}">
-                <a16:creationId xmlns:a16="http://schemas.microsoft.com/office/drawing/2014/main" xmlns="" id="{98787E45-11AC-47CE-A6B5-84E881846813}"/>
+                <a16:creationId xmlns:a16="http://schemas.microsoft.com/office/drawing/2014/main" id="{98787E45-11AC-47CE-A6B5-84E881846813}"/>
               </a:ext>
             </a:extLst>
           </p:cNvPr>
@@ -14201,7 +14089,7 @@
           <p:cNvPr id="8" name="Picture 2">
             <a:extLst>
               <a:ext uri="{FF2B5EF4-FFF2-40B4-BE49-F238E27FC236}">
-                <a16:creationId xmlns:a16="http://schemas.microsoft.com/office/drawing/2014/main" xmlns="" id="{286E5358-5E31-424E-94D6-625A4A4ACDBC}"/>
+                <a16:creationId xmlns:a16="http://schemas.microsoft.com/office/drawing/2014/main" id="{286E5358-5E31-424E-94D6-625A4A4ACDBC}"/>
               </a:ext>
             </a:extLst>
           </p:cNvPr>
@@ -14261,7 +14149,7 @@
           <p:cNvPr id="9" name="Picture 3">
             <a:extLst>
               <a:ext uri="{FF2B5EF4-FFF2-40B4-BE49-F238E27FC236}">
-                <a16:creationId xmlns:a16="http://schemas.microsoft.com/office/drawing/2014/main" xmlns="" id="{D42EA403-A246-4FD2-9322-149E0B17CA17}"/>
+                <a16:creationId xmlns:a16="http://schemas.microsoft.com/office/drawing/2014/main" id="{D42EA403-A246-4FD2-9322-149E0B17CA17}"/>
               </a:ext>
             </a:extLst>
           </p:cNvPr>
@@ -14351,7 +14239,7 @@
           <p:cNvPr id="2" name="Title 1">
             <a:extLst>
               <a:ext uri="{FF2B5EF4-FFF2-40B4-BE49-F238E27FC236}">
-                <a16:creationId xmlns:a16="http://schemas.microsoft.com/office/drawing/2014/main" xmlns="" id="{9AAC334C-FDA6-487F-88BB-102F90F51753}"/>
+                <a16:creationId xmlns:a16="http://schemas.microsoft.com/office/drawing/2014/main" id="{9AAC334C-FDA6-487F-88BB-102F90F51753}"/>
               </a:ext>
             </a:extLst>
           </p:cNvPr>
@@ -14383,7 +14271,7 @@
           <p:cNvPr id="3" name="Content Placeholder 2">
             <a:extLst>
               <a:ext uri="{FF2B5EF4-FFF2-40B4-BE49-F238E27FC236}">
-                <a16:creationId xmlns:a16="http://schemas.microsoft.com/office/drawing/2014/main" xmlns="" id="{C1E17C9A-5D3F-4CE0-B240-BC49C9C465A4}"/>
+                <a16:creationId xmlns:a16="http://schemas.microsoft.com/office/drawing/2014/main" id="{C1E17C9A-5D3F-4CE0-B240-BC49C9C465A4}"/>
               </a:ext>
             </a:extLst>
           </p:cNvPr>
@@ -14456,7 +14344,7 @@
           <p:cNvPr id="4" name="Picture 2">
             <a:extLst>
               <a:ext uri="{FF2B5EF4-FFF2-40B4-BE49-F238E27FC236}">
-                <a16:creationId xmlns:a16="http://schemas.microsoft.com/office/drawing/2014/main" xmlns="" id="{09C456F6-F869-4CBF-8099-10693C19A49A}"/>
+                <a16:creationId xmlns:a16="http://schemas.microsoft.com/office/drawing/2014/main" id="{09C456F6-F869-4CBF-8099-10693C19A49A}"/>
               </a:ext>
             </a:extLst>
           </p:cNvPr>
@@ -14516,7 +14404,7 @@
           <p:cNvPr id="5" name="Picture 3">
             <a:extLst>
               <a:ext uri="{FF2B5EF4-FFF2-40B4-BE49-F238E27FC236}">
-                <a16:creationId xmlns:a16="http://schemas.microsoft.com/office/drawing/2014/main" xmlns="" id="{63C75048-4BE2-4BB2-B9C8-8A54AA63E7DF}"/>
+                <a16:creationId xmlns:a16="http://schemas.microsoft.com/office/drawing/2014/main" id="{63C75048-4BE2-4BB2-B9C8-8A54AA63E7DF}"/>
               </a:ext>
             </a:extLst>
           </p:cNvPr>
@@ -14606,7 +14494,7 @@
           <p:cNvPr id="2" name="Title 1">
             <a:extLst>
               <a:ext uri="{FF2B5EF4-FFF2-40B4-BE49-F238E27FC236}">
-                <a16:creationId xmlns:a16="http://schemas.microsoft.com/office/drawing/2014/main" xmlns="" id="{A64C7A01-4B5E-40DB-B6D3-4F4E0952B579}"/>
+                <a16:creationId xmlns:a16="http://schemas.microsoft.com/office/drawing/2014/main" id="{A64C7A01-4B5E-40DB-B6D3-4F4E0952B579}"/>
               </a:ext>
             </a:extLst>
           </p:cNvPr>
@@ -14669,7 +14557,7 @@
           <p:cNvPr id="5" name="Content Placeholder 4">
             <a:extLst>
               <a:ext uri="{FF2B5EF4-FFF2-40B4-BE49-F238E27FC236}">
-                <a16:creationId xmlns:a16="http://schemas.microsoft.com/office/drawing/2014/main" xmlns="" id="{0495A147-E1A0-4C4E-A2F3-AB5D778D1681}"/>
+                <a16:creationId xmlns:a16="http://schemas.microsoft.com/office/drawing/2014/main" id="{0495A147-E1A0-4C4E-A2F3-AB5D778D1681}"/>
               </a:ext>
             </a:extLst>
           </p:cNvPr>
@@ -14734,7 +14622,7 @@
           <p:cNvPr id="2" name="Title 1">
             <a:extLst>
               <a:ext uri="{FF2B5EF4-FFF2-40B4-BE49-F238E27FC236}">
-                <a16:creationId xmlns:a16="http://schemas.microsoft.com/office/drawing/2014/main" xmlns="" id="{DA605D8E-27F5-4062-93FE-2C0CA08B4062}"/>
+                <a16:creationId xmlns:a16="http://schemas.microsoft.com/office/drawing/2014/main" id="{DA605D8E-27F5-4062-93FE-2C0CA08B4062}"/>
               </a:ext>
             </a:extLst>
           </p:cNvPr>
@@ -14759,7 +14647,7 @@
           <p:cNvPr id="5" name="Content Placeholder 4">
             <a:extLst>
               <a:ext uri="{FF2B5EF4-FFF2-40B4-BE49-F238E27FC236}">
-                <a16:creationId xmlns:a16="http://schemas.microsoft.com/office/drawing/2014/main" xmlns="" id="{3B97241B-5BAB-4B93-A13D-35497B2900E5}"/>
+                <a16:creationId xmlns:a16="http://schemas.microsoft.com/office/drawing/2014/main" id="{3B97241B-5BAB-4B93-A13D-35497B2900E5}"/>
               </a:ext>
             </a:extLst>
           </p:cNvPr>
@@ -14824,7 +14712,7 @@
           <p:cNvPr id="2" name="Title 1">
             <a:extLst>
               <a:ext uri="{FF2B5EF4-FFF2-40B4-BE49-F238E27FC236}">
-                <a16:creationId xmlns:a16="http://schemas.microsoft.com/office/drawing/2014/main" xmlns="" id="{881C2C7B-F9C7-4222-9B46-0695EF0C5CE4}"/>
+                <a16:creationId xmlns:a16="http://schemas.microsoft.com/office/drawing/2014/main" id="{881C2C7B-F9C7-4222-9B46-0695EF0C5CE4}"/>
               </a:ext>
             </a:extLst>
           </p:cNvPr>
@@ -14849,7 +14737,7 @@
           <p:cNvPr id="5" name="Content Placeholder 4">
             <a:extLst>
               <a:ext uri="{FF2B5EF4-FFF2-40B4-BE49-F238E27FC236}">
-                <a16:creationId xmlns:a16="http://schemas.microsoft.com/office/drawing/2014/main" xmlns="" id="{E7A78BC9-E042-4CC9-A23D-8D7AF3E96C96}"/>
+                <a16:creationId xmlns:a16="http://schemas.microsoft.com/office/drawing/2014/main" id="{E7A78BC9-E042-4CC9-A23D-8D7AF3E96C96}"/>
               </a:ext>
             </a:extLst>
           </p:cNvPr>
@@ -14914,7 +14802,7 @@
           <p:cNvPr id="2" name="Title 1">
             <a:extLst>
               <a:ext uri="{FF2B5EF4-FFF2-40B4-BE49-F238E27FC236}">
-                <a16:creationId xmlns:a16="http://schemas.microsoft.com/office/drawing/2014/main" xmlns="" id="{8A362323-667F-45FC-99A3-9A8AB2DE305F}"/>
+                <a16:creationId xmlns:a16="http://schemas.microsoft.com/office/drawing/2014/main" id="{8A362323-667F-45FC-99A3-9A8AB2DE305F}"/>
               </a:ext>
             </a:extLst>
           </p:cNvPr>
@@ -14939,7 +14827,7 @@
           <p:cNvPr id="5" name="Content Placeholder 4">
             <a:extLst>
               <a:ext uri="{FF2B5EF4-FFF2-40B4-BE49-F238E27FC236}">
-                <a16:creationId xmlns:a16="http://schemas.microsoft.com/office/drawing/2014/main" xmlns="" id="{9CD2D557-B2A3-4517-A166-C142D2DE80C2}"/>
+                <a16:creationId xmlns:a16="http://schemas.microsoft.com/office/drawing/2014/main" id="{9CD2D557-B2A3-4517-A166-C142D2DE80C2}"/>
               </a:ext>
             </a:extLst>
           </p:cNvPr>
@@ -15227,7 +15115,7 @@
   <a:extraClrSchemeLst/>
   <a:extLst>
     <a:ext uri="{05A4C25C-085E-4340-85A3-A5531E510DB2}">
-      <thm15:themeFamily xmlns:thm15="http://schemas.microsoft.com/office/thememl/2012/main" xmlns="" name="Circuit" id="{0AC2F7E7-15F5-431C-B2A2-456FE929F56C}" vid="{0911B802-464C-4241-8DD9-B60FF88E379F}"/>
+      <thm15:themeFamily xmlns:thm15="http://schemas.microsoft.com/office/thememl/2012/main" name="Circuit" id="{0AC2F7E7-15F5-431C-B2A2-456FE929F56C}" vid="{0911B802-464C-4241-8DD9-B60FF88E379F}"/>
     </a:ext>
   </a:extLst>
 </a:theme>
